--- a/讓我說聲謝謝你.pptx
+++ b/讓我說聲謝謝你.pptx
@@ -10,7 +10,7 @@
     <p:sldId id="258" r:id="rId4"/>
     <p:sldId id="259" r:id="rId5"/>
   </p:sldIdLst>
-  <p:sldSz cx="9144000" cy="6858000" type="screen4x3"/>
+  <p:sldSz cx="12192000" cy="6858000"/>
   <p:notesSz cx="6858000" cy="9144000"/>
   <p:defaultTextStyle>
     <a:defPPr>
@@ -107,6 +107,22 @@
       </a:defRPr>
     </a:lvl9pPr>
   </p:defaultTextStyle>
+  <p:extLst>
+    <p:ext uri="{EFAFB233-063F-42B5-8137-9DF3F51BA10A}">
+      <p15:sldGuideLst xmlns:p15="http://schemas.microsoft.com/office/powerpoint/2012/main">
+        <p15:guide id="1" orient="horz" pos="2160" userDrawn="1">
+          <p15:clr>
+            <a:srgbClr val="A4A3A4"/>
+          </p15:clr>
+        </p15:guide>
+        <p15:guide id="2" pos="3840" userDrawn="1">
+          <p15:clr>
+            <a:srgbClr val="A4A3A4"/>
+          </p15:clr>
+        </p15:guide>
+      </p15:sldGuideLst>
+    </p:ext>
+  </p:extLst>
 </p:presentation>
 </file>
 
@@ -139,8 +155,8 @@
         </p:nvSpPr>
         <p:spPr>
           <a:xfrm>
-            <a:off x="685800" y="2130425"/>
-            <a:ext cx="7772400" cy="1470025"/>
+            <a:off x="914400" y="2130426"/>
+            <a:ext cx="10363200" cy="1470025"/>
           </a:xfrm>
         </p:spPr>
         <p:txBody>
@@ -167,8 +183,8 @@
         </p:nvSpPr>
         <p:spPr>
           <a:xfrm>
-            <a:off x="1371600" y="3886200"/>
-            <a:ext cx="6400800" cy="1752600"/>
+            <a:off x="1828800" y="3886200"/>
+            <a:ext cx="8534400" cy="1752600"/>
           </a:xfrm>
         </p:spPr>
         <p:txBody>
@@ -291,7 +307,7 @@
           <a:p>
             <a:fld id="{EDEF64E3-D052-4D55-B4D3-DD0844CE5A07}" type="datetimeFigureOut">
               <a:rPr lang="zh-TW" altLang="en-US" smtClean="0"/>
-              <a:t>2017/9/16</a:t>
+              <a:t>2020/6/26</a:t>
             </a:fld>
             <a:endParaRPr lang="zh-TW" altLang="en-US"/>
           </a:p>
@@ -456,7 +472,7 @@
           <a:p>
             <a:fld id="{EDEF64E3-D052-4D55-B4D3-DD0844CE5A07}" type="datetimeFigureOut">
               <a:rPr lang="zh-TW" altLang="en-US" smtClean="0"/>
-              <a:t>2017/9/16</a:t>
+              <a:t>2020/6/26</a:t>
             </a:fld>
             <a:endParaRPr lang="zh-TW" altLang="en-US"/>
           </a:p>
@@ -541,8 +557,8 @@
         </p:nvSpPr>
         <p:spPr>
           <a:xfrm>
-            <a:off x="6629400" y="274638"/>
-            <a:ext cx="2057400" cy="5851525"/>
+            <a:off x="8839200" y="274639"/>
+            <a:ext cx="2743200" cy="5851525"/>
           </a:xfrm>
         </p:spPr>
         <p:txBody>
@@ -569,8 +585,8 @@
         </p:nvSpPr>
         <p:spPr>
           <a:xfrm>
-            <a:off x="457200" y="274638"/>
-            <a:ext cx="6019800" cy="5851525"/>
+            <a:off x="609600" y="274639"/>
+            <a:ext cx="8026400" cy="5851525"/>
           </a:xfrm>
         </p:spPr>
         <p:txBody>
@@ -631,7 +647,7 @@
           <a:p>
             <a:fld id="{EDEF64E3-D052-4D55-B4D3-DD0844CE5A07}" type="datetimeFigureOut">
               <a:rPr lang="zh-TW" altLang="en-US" smtClean="0"/>
-              <a:t>2017/9/16</a:t>
+              <a:t>2020/6/26</a:t>
             </a:fld>
             <a:endParaRPr lang="zh-TW" altLang="en-US"/>
           </a:p>
@@ -796,7 +812,7 @@
           <a:p>
             <a:fld id="{EDEF64E3-D052-4D55-B4D3-DD0844CE5A07}" type="datetimeFigureOut">
               <a:rPr lang="zh-TW" altLang="en-US" smtClean="0"/>
-              <a:t>2017/9/16</a:t>
+              <a:t>2020/6/26</a:t>
             </a:fld>
             <a:endParaRPr lang="zh-TW" altLang="en-US"/>
           </a:p>
@@ -881,8 +897,8 @@
         </p:nvSpPr>
         <p:spPr>
           <a:xfrm>
-            <a:off x="722313" y="4406900"/>
-            <a:ext cx="7772400" cy="1362075"/>
+            <a:off x="963084" y="4406901"/>
+            <a:ext cx="10363200" cy="1362075"/>
           </a:xfrm>
         </p:spPr>
         <p:txBody>
@@ -913,8 +929,8 @@
         </p:nvSpPr>
         <p:spPr>
           <a:xfrm>
-            <a:off x="722313" y="2906713"/>
-            <a:ext cx="7772400" cy="1500187"/>
+            <a:off x="963084" y="2906713"/>
+            <a:ext cx="10363200" cy="1500187"/>
           </a:xfrm>
         </p:spPr>
         <p:txBody>
@@ -1037,7 +1053,7 @@
           <a:p>
             <a:fld id="{EDEF64E3-D052-4D55-B4D3-DD0844CE5A07}" type="datetimeFigureOut">
               <a:rPr lang="zh-TW" altLang="en-US" smtClean="0"/>
-              <a:t>2017/9/16</a:t>
+              <a:t>2020/6/26</a:t>
             </a:fld>
             <a:endParaRPr lang="zh-TW" altLang="en-US"/>
           </a:p>
@@ -1145,8 +1161,8 @@
         </p:nvSpPr>
         <p:spPr>
           <a:xfrm>
-            <a:off x="457200" y="1600200"/>
-            <a:ext cx="4038600" cy="4525963"/>
+            <a:off x="609600" y="1600201"/>
+            <a:ext cx="5384800" cy="4525963"/>
           </a:xfrm>
         </p:spPr>
         <p:txBody>
@@ -1230,8 +1246,8 @@
         </p:nvSpPr>
         <p:spPr>
           <a:xfrm>
-            <a:off x="4648200" y="1600200"/>
-            <a:ext cx="4038600" cy="4525963"/>
+            <a:off x="6197600" y="1600201"/>
+            <a:ext cx="5384800" cy="4525963"/>
           </a:xfrm>
         </p:spPr>
         <p:txBody>
@@ -1320,7 +1336,7 @@
           <a:p>
             <a:fld id="{EDEF64E3-D052-4D55-B4D3-DD0844CE5A07}" type="datetimeFigureOut">
               <a:rPr lang="zh-TW" altLang="en-US" smtClean="0"/>
-              <a:t>2017/9/16</a:t>
+              <a:t>2020/6/26</a:t>
             </a:fld>
             <a:endParaRPr lang="zh-TW" altLang="en-US"/>
           </a:p>
@@ -1432,8 +1448,8 @@
         </p:nvSpPr>
         <p:spPr>
           <a:xfrm>
-            <a:off x="457200" y="1535113"/>
-            <a:ext cx="4040188" cy="639762"/>
+            <a:off x="609600" y="1535113"/>
+            <a:ext cx="5386917" cy="639762"/>
           </a:xfrm>
         </p:spPr>
         <p:txBody>
@@ -1497,8 +1513,8 @@
         </p:nvSpPr>
         <p:spPr>
           <a:xfrm>
-            <a:off x="457200" y="2174875"/>
-            <a:ext cx="4040188" cy="3951288"/>
+            <a:off x="609600" y="2174875"/>
+            <a:ext cx="5386917" cy="3951288"/>
           </a:xfrm>
         </p:spPr>
         <p:txBody>
@@ -1582,8 +1598,8 @@
         </p:nvSpPr>
         <p:spPr>
           <a:xfrm>
-            <a:off x="4645025" y="1535113"/>
-            <a:ext cx="4041775" cy="639762"/>
+            <a:off x="6193368" y="1535113"/>
+            <a:ext cx="5389033" cy="639762"/>
           </a:xfrm>
         </p:spPr>
         <p:txBody>
@@ -1647,8 +1663,8 @@
         </p:nvSpPr>
         <p:spPr>
           <a:xfrm>
-            <a:off x="4645025" y="2174875"/>
-            <a:ext cx="4041775" cy="3951288"/>
+            <a:off x="6193368" y="2174875"/>
+            <a:ext cx="5389033" cy="3951288"/>
           </a:xfrm>
         </p:spPr>
         <p:txBody>
@@ -1737,7 +1753,7 @@
           <a:p>
             <a:fld id="{EDEF64E3-D052-4D55-B4D3-DD0844CE5A07}" type="datetimeFigureOut">
               <a:rPr lang="zh-TW" altLang="en-US" smtClean="0"/>
-              <a:t>2017/9/16</a:t>
+              <a:t>2020/6/26</a:t>
             </a:fld>
             <a:endParaRPr lang="zh-TW" altLang="en-US"/>
           </a:p>
@@ -1850,7 +1866,7 @@
           <a:p>
             <a:fld id="{EDEF64E3-D052-4D55-B4D3-DD0844CE5A07}" type="datetimeFigureOut">
               <a:rPr lang="zh-TW" altLang="en-US" smtClean="0"/>
-              <a:t>2017/9/16</a:t>
+              <a:t>2020/6/26</a:t>
             </a:fld>
             <a:endParaRPr lang="zh-TW" altLang="en-US"/>
           </a:p>
@@ -1940,7 +1956,7 @@
           <a:p>
             <a:fld id="{EDEF64E3-D052-4D55-B4D3-DD0844CE5A07}" type="datetimeFigureOut">
               <a:rPr lang="zh-TW" altLang="en-US" smtClean="0"/>
-              <a:t>2017/9/16</a:t>
+              <a:t>2020/6/26</a:t>
             </a:fld>
             <a:endParaRPr lang="zh-TW" altLang="en-US"/>
           </a:p>
@@ -2025,8 +2041,8 @@
         </p:nvSpPr>
         <p:spPr>
           <a:xfrm>
-            <a:off x="457200" y="273050"/>
-            <a:ext cx="3008313" cy="1162050"/>
+            <a:off x="609601" y="273050"/>
+            <a:ext cx="4011084" cy="1162050"/>
           </a:xfrm>
         </p:spPr>
         <p:txBody>
@@ -2057,8 +2073,8 @@
         </p:nvSpPr>
         <p:spPr>
           <a:xfrm>
-            <a:off x="3575050" y="273050"/>
-            <a:ext cx="5111750" cy="5853113"/>
+            <a:off x="4766733" y="273051"/>
+            <a:ext cx="6815667" cy="5853113"/>
           </a:xfrm>
         </p:spPr>
         <p:txBody>
@@ -2142,8 +2158,8 @@
         </p:nvSpPr>
         <p:spPr>
           <a:xfrm>
-            <a:off x="457200" y="1435100"/>
-            <a:ext cx="3008313" cy="4691063"/>
+            <a:off x="609601" y="1435101"/>
+            <a:ext cx="4011084" cy="4691063"/>
           </a:xfrm>
         </p:spPr>
         <p:txBody>
@@ -2212,7 +2228,7 @@
           <a:p>
             <a:fld id="{EDEF64E3-D052-4D55-B4D3-DD0844CE5A07}" type="datetimeFigureOut">
               <a:rPr lang="zh-TW" altLang="en-US" smtClean="0"/>
-              <a:t>2017/9/16</a:t>
+              <a:t>2020/6/26</a:t>
             </a:fld>
             <a:endParaRPr lang="zh-TW" altLang="en-US"/>
           </a:p>
@@ -2297,8 +2313,8 @@
         </p:nvSpPr>
         <p:spPr>
           <a:xfrm>
-            <a:off x="1792288" y="4800600"/>
-            <a:ext cx="5486400" cy="566738"/>
+            <a:off x="2389717" y="4800600"/>
+            <a:ext cx="7315200" cy="566738"/>
           </a:xfrm>
         </p:spPr>
         <p:txBody>
@@ -2329,8 +2345,8 @@
         </p:nvSpPr>
         <p:spPr>
           <a:xfrm>
-            <a:off x="1792288" y="612775"/>
-            <a:ext cx="5486400" cy="4114800"/>
+            <a:off x="2389717" y="612775"/>
+            <a:ext cx="7315200" cy="4114800"/>
           </a:xfrm>
         </p:spPr>
         <p:txBody>
@@ -2394,8 +2410,8 @@
         </p:nvSpPr>
         <p:spPr>
           <a:xfrm>
-            <a:off x="1792288" y="5367338"/>
-            <a:ext cx="5486400" cy="804862"/>
+            <a:off x="2389717" y="5367338"/>
+            <a:ext cx="7315200" cy="804862"/>
           </a:xfrm>
         </p:spPr>
         <p:txBody>
@@ -2464,7 +2480,7 @@
           <a:p>
             <a:fld id="{EDEF64E3-D052-4D55-B4D3-DD0844CE5A07}" type="datetimeFigureOut">
               <a:rPr lang="zh-TW" altLang="en-US" smtClean="0"/>
-              <a:t>2017/9/16</a:t>
+              <a:t>2020/6/26</a:t>
             </a:fld>
             <a:endParaRPr lang="zh-TW" altLang="en-US"/>
           </a:p>
@@ -2559,8 +2575,8 @@
         </p:nvSpPr>
         <p:spPr>
           <a:xfrm>
-            <a:off x="457200" y="274638"/>
-            <a:ext cx="8229600" cy="1143000"/>
+            <a:off x="609600" y="274638"/>
+            <a:ext cx="10972800" cy="1143000"/>
           </a:xfrm>
           <a:prstGeom prst="rect">
             <a:avLst/>
@@ -2592,8 +2608,8 @@
         </p:nvSpPr>
         <p:spPr>
           <a:xfrm>
-            <a:off x="457200" y="1600200"/>
-            <a:ext cx="8229600" cy="4525963"/>
+            <a:off x="609600" y="1600201"/>
+            <a:ext cx="10972800" cy="4525963"/>
           </a:xfrm>
           <a:prstGeom prst="rect">
             <a:avLst/>
@@ -2654,8 +2670,8 @@
         </p:nvSpPr>
         <p:spPr>
           <a:xfrm>
-            <a:off x="457200" y="6356350"/>
-            <a:ext cx="2133600" cy="365125"/>
+            <a:off x="609600" y="6356351"/>
+            <a:ext cx="2844800" cy="365125"/>
           </a:xfrm>
           <a:prstGeom prst="rect">
             <a:avLst/>
@@ -2677,7 +2693,7 @@
           <a:p>
             <a:fld id="{EDEF64E3-D052-4D55-B4D3-DD0844CE5A07}" type="datetimeFigureOut">
               <a:rPr lang="zh-TW" altLang="en-US" smtClean="0"/>
-              <a:t>2017/9/16</a:t>
+              <a:t>2020/6/26</a:t>
             </a:fld>
             <a:endParaRPr lang="zh-TW" altLang="en-US"/>
           </a:p>
@@ -2695,8 +2711,8 @@
         </p:nvSpPr>
         <p:spPr>
           <a:xfrm>
-            <a:off x="3124200" y="6356350"/>
-            <a:ext cx="2895600" cy="365125"/>
+            <a:off x="4165600" y="6356351"/>
+            <a:ext cx="3860800" cy="365125"/>
           </a:xfrm>
           <a:prstGeom prst="rect">
             <a:avLst/>
@@ -2732,8 +2748,8 @@
         </p:nvSpPr>
         <p:spPr>
           <a:xfrm>
-            <a:off x="6553200" y="6356350"/>
-            <a:ext cx="2133600" cy="365125"/>
+            <a:off x="8737600" y="6356351"/>
+            <a:ext cx="2844800" cy="365125"/>
           </a:xfrm>
           <a:prstGeom prst="rect">
             <a:avLst/>
@@ -3116,7 +3132,7 @@
               <a:t>還記得那一天我遇見</a:t>
             </a:r>
             <a:r>
-              <a:rPr lang="zh-TW" altLang="en-US" sz="5400" b="1" dirty="0" smtClean="0">
+              <a:rPr lang="zh-TW" altLang="en-US" sz="5400" b="1" dirty="0">
                 <a:solidFill>
                   <a:srgbClr val="000066"/>
                 </a:solidFill>
@@ -3125,7 +3141,7 @@
               </a:rPr>
               <a:t>你</a:t>
             </a:r>
-            <a:endParaRPr lang="en-US" altLang="zh-TW" sz="5400" b="1" dirty="0" smtClean="0">
+            <a:endParaRPr lang="en-US" altLang="zh-TW" sz="5400" b="1" dirty="0">
               <a:solidFill>
                 <a:srgbClr val="000066"/>
               </a:solidFill>
@@ -3138,7 +3154,7 @@
               <a:buNone/>
             </a:pPr>
             <a:r>
-              <a:rPr lang="zh-TW" altLang="en-US" sz="5400" b="1" dirty="0" smtClean="0">
+              <a:rPr lang="zh-TW" altLang="en-US" sz="5400" b="1" dirty="0">
                 <a:solidFill>
                   <a:srgbClr val="000066"/>
                 </a:solidFill>
@@ -3158,7 +3174,7 @@
               <a:t>的真誠溫暖了我的</a:t>
             </a:r>
             <a:r>
-              <a:rPr lang="zh-TW" altLang="en-US" sz="5400" b="1" dirty="0" smtClean="0">
+              <a:rPr lang="zh-TW" altLang="en-US" sz="5400" b="1" dirty="0">
                 <a:solidFill>
                   <a:srgbClr val="000066"/>
                 </a:solidFill>
@@ -3167,7 +3183,7 @@
               </a:rPr>
               <a:t>心</a:t>
             </a:r>
-            <a:endParaRPr lang="en-US" altLang="zh-TW" sz="5400" b="1" dirty="0" smtClean="0">
+            <a:endParaRPr lang="en-US" altLang="zh-TW" sz="5400" b="1" dirty="0">
               <a:solidFill>
                 <a:srgbClr val="000066"/>
               </a:solidFill>
@@ -3180,7 +3196,7 @@
               <a:buNone/>
             </a:pPr>
             <a:r>
-              <a:rPr lang="zh-TW" altLang="en-US" sz="5400" b="1" dirty="0" smtClean="0">
+              <a:rPr lang="zh-TW" altLang="en-US" sz="5400" b="1" dirty="0">
                 <a:solidFill>
                   <a:srgbClr val="000066"/>
                 </a:solidFill>
@@ -3200,7 +3216,7 @@
               <a:t>中有了你 不再</a:t>
             </a:r>
             <a:r>
-              <a:rPr lang="zh-TW" altLang="en-US" sz="5400" b="1" dirty="0" smtClean="0">
+              <a:rPr lang="zh-TW" altLang="en-US" sz="5400" b="1" dirty="0">
                 <a:solidFill>
                   <a:srgbClr val="000066"/>
                 </a:solidFill>
@@ -3209,7 +3225,7 @@
               </a:rPr>
               <a:t>孤寂</a:t>
             </a:r>
-            <a:endParaRPr lang="en-US" altLang="zh-TW" sz="5400" b="1" dirty="0" smtClean="0">
+            <a:endParaRPr lang="en-US" altLang="zh-TW" sz="5400" b="1" dirty="0">
               <a:solidFill>
                 <a:srgbClr val="000066"/>
               </a:solidFill>
@@ -3222,7 +3238,7 @@
               <a:buNone/>
             </a:pPr>
             <a:r>
-              <a:rPr lang="zh-TW" altLang="en-US" sz="5400" b="1" dirty="0" smtClean="0">
+              <a:rPr lang="zh-TW" altLang="en-US" sz="5400" b="1" dirty="0">
                 <a:solidFill>
                   <a:srgbClr val="000066"/>
                 </a:solidFill>
@@ -3328,7 +3344,7 @@
               <a:buNone/>
             </a:pPr>
             <a:r>
-              <a:rPr lang="zh-TW" altLang="en-US" sz="5400" b="1" dirty="0" smtClean="0">
+              <a:rPr lang="zh-TW" altLang="en-US" sz="5400" b="1" dirty="0">
                 <a:solidFill>
                   <a:srgbClr val="000066"/>
                 </a:solidFill>
@@ -3337,7 +3353,7 @@
               </a:rPr>
               <a:t>謝謝你陪我一起 歡笑哭泣</a:t>
             </a:r>
-            <a:endParaRPr lang="en-US" altLang="zh-TW" sz="5400" b="1" dirty="0" smtClean="0">
+            <a:endParaRPr lang="en-US" altLang="zh-TW" sz="5400" b="1" dirty="0">
               <a:solidFill>
                 <a:srgbClr val="000066"/>
               </a:solidFill>
@@ -3350,7 +3366,7 @@
               <a:buNone/>
             </a:pPr>
             <a:r>
-              <a:rPr lang="zh-TW" altLang="en-US" sz="5400" b="1" dirty="0" smtClean="0">
+              <a:rPr lang="zh-TW" altLang="en-US" sz="5400" b="1" dirty="0">
                 <a:solidFill>
                   <a:srgbClr val="000066"/>
                 </a:solidFill>
@@ -3359,7 +3375,7 @@
               </a:rPr>
               <a:t>一路上有你 不灰心不放棄</a:t>
             </a:r>
-            <a:endParaRPr lang="en-US" altLang="zh-TW" sz="5400" b="1" dirty="0" smtClean="0">
+            <a:endParaRPr lang="en-US" altLang="zh-TW" sz="5400" b="1" dirty="0">
               <a:solidFill>
                 <a:srgbClr val="000066"/>
               </a:solidFill>
@@ -3372,7 +3388,7 @@
               <a:buNone/>
             </a:pPr>
             <a:r>
-              <a:rPr lang="zh-TW" altLang="en-US" sz="5400" b="1" dirty="0" smtClean="0">
+              <a:rPr lang="zh-TW" altLang="en-US" sz="5400" b="1" dirty="0">
                 <a:solidFill>
                   <a:srgbClr val="000066"/>
                 </a:solidFill>
@@ -3381,7 +3397,7 @@
               </a:rPr>
               <a:t>手牽著手 心連心</a:t>
             </a:r>
-            <a:endParaRPr lang="en-US" altLang="zh-TW" sz="5400" b="1" dirty="0" smtClean="0">
+            <a:endParaRPr lang="en-US" altLang="zh-TW" sz="5400" b="1" dirty="0">
               <a:solidFill>
                 <a:srgbClr val="000066"/>
               </a:solidFill>
@@ -3394,26 +3410,16 @@
               <a:buNone/>
             </a:pPr>
             <a:r>
-              <a:rPr lang="zh-TW" altLang="en-US" sz="5400" b="1" dirty="0" smtClean="0">
+              <a:rPr lang="zh-TW" altLang="en-US" sz="5400" b="1" dirty="0">
                 <a:solidFill>
                   <a:srgbClr val="000066"/>
                 </a:solidFill>
                 <a:latin typeface="微軟正黑體" pitchFamily="34" charset="-120"/>
                 <a:ea typeface="微軟正黑體" pitchFamily="34" charset="-120"/>
               </a:rPr>
-              <a:t>願主</a:t>
-            </a:r>
-            <a:r>
-              <a:rPr lang="zh-TW" altLang="en-US" sz="5400" b="1" dirty="0" smtClean="0">
-                <a:solidFill>
-                  <a:srgbClr val="000066"/>
-                </a:solidFill>
-                <a:latin typeface="微軟正黑體" pitchFamily="34" charset="-120"/>
-                <a:ea typeface="微軟正黑體" pitchFamily="34" charset="-120"/>
-              </a:rPr>
-              <a:t>旨意</a:t>
-            </a:r>
-            <a:endParaRPr lang="en-US" altLang="zh-TW" sz="5400" b="1" dirty="0" smtClean="0">
+              <a:t>願主旨意</a:t>
+            </a:r>
+            <a:endParaRPr lang="en-US" altLang="zh-TW" sz="5400" b="1" dirty="0">
               <a:solidFill>
                 <a:srgbClr val="000066"/>
               </a:solidFill>
@@ -3426,24 +3432,14 @@
               <a:buNone/>
             </a:pPr>
             <a:r>
-              <a:rPr lang="zh-TW" altLang="en-US" sz="5400" b="1" dirty="0" smtClean="0">
+              <a:rPr lang="zh-TW" altLang="en-US" sz="5400" b="1" dirty="0">
                 <a:solidFill>
                   <a:srgbClr val="000066"/>
                 </a:solidFill>
                 <a:latin typeface="微軟正黑體" pitchFamily="34" charset="-120"/>
                 <a:ea typeface="微軟正黑體" pitchFamily="34" charset="-120"/>
               </a:rPr>
-              <a:t>完全成就在</a:t>
-            </a:r>
-            <a:r>
-              <a:rPr lang="zh-TW" altLang="en-US" sz="5400" b="1" dirty="0" smtClean="0">
-                <a:solidFill>
-                  <a:srgbClr val="000066"/>
-                </a:solidFill>
-                <a:latin typeface="微軟正黑體" pitchFamily="34" charset="-120"/>
-                <a:ea typeface="微軟正黑體" pitchFamily="34" charset="-120"/>
-              </a:rPr>
-              <a:t>你和我的生命</a:t>
+              <a:t>完全成就在你和我的生命</a:t>
             </a:r>
             <a:endParaRPr lang="zh-TW" altLang="en-US" sz="5400" b="1" dirty="0">
               <a:solidFill>
@@ -3539,26 +3535,16 @@
               <a:buNone/>
             </a:pPr>
             <a:r>
-              <a:rPr lang="zh-TW" altLang="en-US" sz="5400" b="1" dirty="0" smtClean="0">
+              <a:rPr lang="zh-TW" altLang="en-US" sz="5400" b="1" dirty="0">
                 <a:solidFill>
                   <a:srgbClr val="000066"/>
                 </a:solidFill>
                 <a:latin typeface="微軟正黑體" pitchFamily="34" charset="-120"/>
                 <a:ea typeface="微軟正黑體" pitchFamily="34" charset="-120"/>
               </a:rPr>
-              <a:t>主的愛使我們 相知相</a:t>
-            </a:r>
-            <a:r>
-              <a:rPr lang="zh-TW" altLang="en-US" sz="5400" b="1" dirty="0" smtClean="0">
-                <a:solidFill>
-                  <a:srgbClr val="000066"/>
-                </a:solidFill>
-                <a:latin typeface="微軟正黑體" pitchFamily="34" charset="-120"/>
-                <a:ea typeface="微軟正黑體" pitchFamily="34" charset="-120"/>
-              </a:rPr>
-              <a:t>惜</a:t>
-            </a:r>
-            <a:endParaRPr lang="en-US" altLang="zh-TW" sz="5400" b="1" dirty="0" smtClean="0">
+              <a:t>主的愛使我們 相知相惜</a:t>
+            </a:r>
+            <a:endParaRPr lang="en-US" altLang="zh-TW" sz="5400" b="1" dirty="0">
               <a:solidFill>
                 <a:srgbClr val="000066"/>
               </a:solidFill>
@@ -3571,36 +3557,16 @@
               <a:buNone/>
             </a:pPr>
             <a:r>
-              <a:rPr lang="zh-TW" altLang="en-US" sz="5400" b="1" dirty="0" smtClean="0">
+              <a:rPr lang="zh-TW" altLang="en-US" sz="5400" b="1" dirty="0">
                 <a:solidFill>
                   <a:srgbClr val="000066"/>
                 </a:solidFill>
                 <a:latin typeface="微軟正黑體" pitchFamily="34" charset="-120"/>
                 <a:ea typeface="微軟正黑體" pitchFamily="34" charset="-120"/>
               </a:rPr>
-              <a:t>接納</a:t>
-            </a:r>
-            <a:r>
-              <a:rPr lang="zh-TW" altLang="en-US" sz="5400" b="1" dirty="0" smtClean="0">
-                <a:solidFill>
-                  <a:srgbClr val="000066"/>
-                </a:solidFill>
-                <a:latin typeface="微軟正黑體" pitchFamily="34" charset="-120"/>
-                <a:ea typeface="微軟正黑體" pitchFamily="34" charset="-120"/>
-              </a:rPr>
-              <a:t>包容彼此許多</a:t>
-            </a:r>
-            <a:r>
-              <a:rPr lang="zh-TW" altLang="en-US" sz="5400" b="1" dirty="0" smtClean="0">
-                <a:solidFill>
-                  <a:srgbClr val="000066"/>
-                </a:solidFill>
-                <a:latin typeface="微軟正黑體" pitchFamily="34" charset="-120"/>
-                <a:ea typeface="微軟正黑體" pitchFamily="34" charset="-120"/>
-              </a:rPr>
-              <a:t>不同</a:t>
-            </a:r>
-            <a:endParaRPr lang="en-US" altLang="zh-TW" sz="5400" b="1" dirty="0" smtClean="0">
+              <a:t>接納包容彼此許多不同</a:t>
+            </a:r>
+            <a:endParaRPr lang="en-US" altLang="zh-TW" sz="5400" b="1" dirty="0">
               <a:solidFill>
                 <a:srgbClr val="000066"/>
               </a:solidFill>
@@ -3613,36 +3579,16 @@
               <a:buNone/>
             </a:pPr>
             <a:r>
-              <a:rPr lang="zh-TW" altLang="en-US" sz="5400" b="1" dirty="0" smtClean="0">
+              <a:rPr lang="zh-TW" altLang="en-US" sz="5400" b="1" dirty="0">
                 <a:solidFill>
                   <a:srgbClr val="000066"/>
                 </a:solidFill>
                 <a:latin typeface="微軟正黑體" pitchFamily="34" charset="-120"/>
                 <a:ea typeface="微軟正黑體" pitchFamily="34" charset="-120"/>
               </a:rPr>
-              <a:t>生命</a:t>
-            </a:r>
-            <a:r>
-              <a:rPr lang="zh-TW" altLang="en-US" sz="5400" b="1" dirty="0" smtClean="0">
-                <a:solidFill>
-                  <a:srgbClr val="000066"/>
-                </a:solidFill>
-                <a:latin typeface="微軟正黑體" pitchFamily="34" charset="-120"/>
-                <a:ea typeface="微軟正黑體" pitchFamily="34" charset="-120"/>
-              </a:rPr>
-              <a:t>中有了你 不再</a:t>
-            </a:r>
-            <a:r>
-              <a:rPr lang="zh-TW" altLang="en-US" sz="5400" b="1" dirty="0" smtClean="0">
-                <a:solidFill>
-                  <a:srgbClr val="000066"/>
-                </a:solidFill>
-                <a:latin typeface="微軟正黑體" pitchFamily="34" charset="-120"/>
-                <a:ea typeface="微軟正黑體" pitchFamily="34" charset="-120"/>
-              </a:rPr>
-              <a:t>孤寂</a:t>
-            </a:r>
-            <a:endParaRPr lang="en-US" altLang="zh-TW" sz="5400" b="1" dirty="0" smtClean="0">
+              <a:t>生命中有了你 不再孤寂</a:t>
+            </a:r>
+            <a:endParaRPr lang="en-US" altLang="zh-TW" sz="5400" b="1" dirty="0">
               <a:solidFill>
                 <a:srgbClr val="000066"/>
               </a:solidFill>
@@ -3655,24 +3601,14 @@
               <a:buNone/>
             </a:pPr>
             <a:r>
-              <a:rPr lang="zh-TW" altLang="en-US" sz="5400" b="1" dirty="0" smtClean="0">
+              <a:rPr lang="zh-TW" altLang="en-US" sz="5400" b="1" dirty="0">
                 <a:solidFill>
                   <a:srgbClr val="000066"/>
                 </a:solidFill>
                 <a:latin typeface="微軟正黑體" pitchFamily="34" charset="-120"/>
                 <a:ea typeface="微軟正黑體" pitchFamily="34" charset="-120"/>
               </a:rPr>
-              <a:t>讓</a:t>
-            </a:r>
-            <a:r>
-              <a:rPr lang="zh-TW" altLang="en-US" sz="5400" b="1" dirty="0" smtClean="0">
-                <a:solidFill>
-                  <a:srgbClr val="000066"/>
-                </a:solidFill>
-                <a:latin typeface="微軟正黑體" pitchFamily="34" charset="-120"/>
-                <a:ea typeface="微軟正黑體" pitchFamily="34" charset="-120"/>
-              </a:rPr>
-              <a:t>我說聲謝謝你</a:t>
+              <a:t>讓我說聲謝謝你</a:t>
             </a:r>
             <a:endParaRPr lang="zh-TW" altLang="en-US" sz="5400" b="1" dirty="0">
               <a:solidFill>
@@ -3768,7 +3704,7 @@
               <a:buNone/>
             </a:pPr>
             <a:r>
-              <a:rPr lang="zh-TW" altLang="en-US" sz="5400" b="1" dirty="0" smtClean="0">
+              <a:rPr lang="zh-TW" altLang="en-US" sz="5400" b="1" dirty="0">
                 <a:solidFill>
                   <a:srgbClr val="000066"/>
                 </a:solidFill>
@@ -3777,7 +3713,7 @@
               </a:rPr>
               <a:t>謝謝你陪我一起 歡笑哭泣</a:t>
             </a:r>
-            <a:endParaRPr lang="en-US" altLang="zh-TW" sz="5400" b="1" dirty="0" smtClean="0">
+            <a:endParaRPr lang="en-US" altLang="zh-TW" sz="5400" b="1" dirty="0">
               <a:solidFill>
                 <a:srgbClr val="000066"/>
               </a:solidFill>
@@ -3790,7 +3726,7 @@
               <a:buNone/>
             </a:pPr>
             <a:r>
-              <a:rPr lang="zh-TW" altLang="en-US" sz="5400" b="1" dirty="0" smtClean="0">
+              <a:rPr lang="zh-TW" altLang="en-US" sz="5400" b="1" dirty="0">
                 <a:solidFill>
                   <a:srgbClr val="000066"/>
                 </a:solidFill>
@@ -3799,7 +3735,7 @@
               </a:rPr>
               <a:t>一路上有你 不灰心不放棄</a:t>
             </a:r>
-            <a:endParaRPr lang="en-US" altLang="zh-TW" sz="5400" b="1" dirty="0" smtClean="0">
+            <a:endParaRPr lang="en-US" altLang="zh-TW" sz="5400" b="1" dirty="0">
               <a:solidFill>
                 <a:srgbClr val="000066"/>
               </a:solidFill>
@@ -3812,7 +3748,7 @@
               <a:buNone/>
             </a:pPr>
             <a:r>
-              <a:rPr lang="zh-TW" altLang="en-US" sz="5400" b="1" dirty="0" smtClean="0">
+              <a:rPr lang="zh-TW" altLang="en-US" sz="5400" b="1" dirty="0">
                 <a:solidFill>
                   <a:srgbClr val="000066"/>
                 </a:solidFill>
@@ -3821,7 +3757,7 @@
               </a:rPr>
               <a:t>手牽著手 心連心</a:t>
             </a:r>
-            <a:endParaRPr lang="en-US" altLang="zh-TW" sz="5400" b="1" dirty="0" smtClean="0">
+            <a:endParaRPr lang="en-US" altLang="zh-TW" sz="5400" b="1" dirty="0">
               <a:solidFill>
                 <a:srgbClr val="000066"/>
               </a:solidFill>
@@ -3834,26 +3770,16 @@
               <a:buNone/>
             </a:pPr>
             <a:r>
-              <a:rPr lang="zh-TW" altLang="en-US" sz="5400" b="1" dirty="0" smtClean="0">
+              <a:rPr lang="zh-TW" altLang="en-US" sz="5400" b="1" dirty="0">
                 <a:solidFill>
                   <a:srgbClr val="000066"/>
                 </a:solidFill>
                 <a:latin typeface="微軟正黑體" pitchFamily="34" charset="-120"/>
                 <a:ea typeface="微軟正黑體" pitchFamily="34" charset="-120"/>
               </a:rPr>
-              <a:t>願主</a:t>
-            </a:r>
-            <a:r>
-              <a:rPr lang="zh-TW" altLang="en-US" sz="5400" b="1" dirty="0" smtClean="0">
-                <a:solidFill>
-                  <a:srgbClr val="000066"/>
-                </a:solidFill>
-                <a:latin typeface="微軟正黑體" pitchFamily="34" charset="-120"/>
-                <a:ea typeface="微軟正黑體" pitchFamily="34" charset="-120"/>
-              </a:rPr>
-              <a:t>旨意</a:t>
-            </a:r>
-            <a:endParaRPr lang="en-US" altLang="zh-TW" sz="5400" b="1" dirty="0" smtClean="0">
+              <a:t>願主旨意</a:t>
+            </a:r>
+            <a:endParaRPr lang="en-US" altLang="zh-TW" sz="5400" b="1" dirty="0">
               <a:solidFill>
                 <a:srgbClr val="000066"/>
               </a:solidFill>
@@ -3866,24 +3792,14 @@
               <a:buNone/>
             </a:pPr>
             <a:r>
-              <a:rPr lang="zh-TW" altLang="en-US" sz="5400" b="1" dirty="0" smtClean="0">
+              <a:rPr lang="zh-TW" altLang="en-US" sz="5400" b="1" dirty="0">
                 <a:solidFill>
                   <a:srgbClr val="000066"/>
                 </a:solidFill>
                 <a:latin typeface="微軟正黑體" pitchFamily="34" charset="-120"/>
                 <a:ea typeface="微軟正黑體" pitchFamily="34" charset="-120"/>
               </a:rPr>
-              <a:t>完全成就在</a:t>
-            </a:r>
-            <a:r>
-              <a:rPr lang="zh-TW" altLang="en-US" sz="5400" b="1" dirty="0" smtClean="0">
-                <a:solidFill>
-                  <a:srgbClr val="000066"/>
-                </a:solidFill>
-                <a:latin typeface="微軟正黑體" pitchFamily="34" charset="-120"/>
-                <a:ea typeface="微軟正黑體" pitchFamily="34" charset="-120"/>
-              </a:rPr>
-              <a:t>你和我的生命</a:t>
+              <a:t>完全成就在你和我的生命</a:t>
             </a:r>
             <a:endParaRPr lang="zh-TW" altLang="en-US" sz="5400" b="1" dirty="0">
               <a:solidFill>

--- a/讓我說聲謝謝你.pptx
+++ b/讓我說聲謝謝你.pptx
@@ -307,7 +307,7 @@
           <a:p>
             <a:fld id="{EDEF64E3-D052-4D55-B4D3-DD0844CE5A07}" type="datetimeFigureOut">
               <a:rPr lang="zh-TW" altLang="en-US" smtClean="0"/>
-              <a:t>2020/6/26</a:t>
+              <a:t>2020/10/24</a:t>
             </a:fld>
             <a:endParaRPr lang="zh-TW" altLang="en-US"/>
           </a:p>
@@ -472,7 +472,7 @@
           <a:p>
             <a:fld id="{EDEF64E3-D052-4D55-B4D3-DD0844CE5A07}" type="datetimeFigureOut">
               <a:rPr lang="zh-TW" altLang="en-US" smtClean="0"/>
-              <a:t>2020/6/26</a:t>
+              <a:t>2020/10/24</a:t>
             </a:fld>
             <a:endParaRPr lang="zh-TW" altLang="en-US"/>
           </a:p>
@@ -647,7 +647,7 @@
           <a:p>
             <a:fld id="{EDEF64E3-D052-4D55-B4D3-DD0844CE5A07}" type="datetimeFigureOut">
               <a:rPr lang="zh-TW" altLang="en-US" smtClean="0"/>
-              <a:t>2020/6/26</a:t>
+              <a:t>2020/10/24</a:t>
             </a:fld>
             <a:endParaRPr lang="zh-TW" altLang="en-US"/>
           </a:p>
@@ -812,7 +812,7 @@
           <a:p>
             <a:fld id="{EDEF64E3-D052-4D55-B4D3-DD0844CE5A07}" type="datetimeFigureOut">
               <a:rPr lang="zh-TW" altLang="en-US" smtClean="0"/>
-              <a:t>2020/6/26</a:t>
+              <a:t>2020/10/24</a:t>
             </a:fld>
             <a:endParaRPr lang="zh-TW" altLang="en-US"/>
           </a:p>
@@ -1053,7 +1053,7 @@
           <a:p>
             <a:fld id="{EDEF64E3-D052-4D55-B4D3-DD0844CE5A07}" type="datetimeFigureOut">
               <a:rPr lang="zh-TW" altLang="en-US" smtClean="0"/>
-              <a:t>2020/6/26</a:t>
+              <a:t>2020/10/24</a:t>
             </a:fld>
             <a:endParaRPr lang="zh-TW" altLang="en-US"/>
           </a:p>
@@ -1336,7 +1336,7 @@
           <a:p>
             <a:fld id="{EDEF64E3-D052-4D55-B4D3-DD0844CE5A07}" type="datetimeFigureOut">
               <a:rPr lang="zh-TW" altLang="en-US" smtClean="0"/>
-              <a:t>2020/6/26</a:t>
+              <a:t>2020/10/24</a:t>
             </a:fld>
             <a:endParaRPr lang="zh-TW" altLang="en-US"/>
           </a:p>
@@ -1753,7 +1753,7 @@
           <a:p>
             <a:fld id="{EDEF64E3-D052-4D55-B4D3-DD0844CE5A07}" type="datetimeFigureOut">
               <a:rPr lang="zh-TW" altLang="en-US" smtClean="0"/>
-              <a:t>2020/6/26</a:t>
+              <a:t>2020/10/24</a:t>
             </a:fld>
             <a:endParaRPr lang="zh-TW" altLang="en-US"/>
           </a:p>
@@ -1866,7 +1866,7 @@
           <a:p>
             <a:fld id="{EDEF64E3-D052-4D55-B4D3-DD0844CE5A07}" type="datetimeFigureOut">
               <a:rPr lang="zh-TW" altLang="en-US" smtClean="0"/>
-              <a:t>2020/6/26</a:t>
+              <a:t>2020/10/24</a:t>
             </a:fld>
             <a:endParaRPr lang="zh-TW" altLang="en-US"/>
           </a:p>
@@ -1956,7 +1956,7 @@
           <a:p>
             <a:fld id="{EDEF64E3-D052-4D55-B4D3-DD0844CE5A07}" type="datetimeFigureOut">
               <a:rPr lang="zh-TW" altLang="en-US" smtClean="0"/>
-              <a:t>2020/6/26</a:t>
+              <a:t>2020/10/24</a:t>
             </a:fld>
             <a:endParaRPr lang="zh-TW" altLang="en-US"/>
           </a:p>
@@ -2228,7 +2228,7 @@
           <a:p>
             <a:fld id="{EDEF64E3-D052-4D55-B4D3-DD0844CE5A07}" type="datetimeFigureOut">
               <a:rPr lang="zh-TW" altLang="en-US" smtClean="0"/>
-              <a:t>2020/6/26</a:t>
+              <a:t>2020/10/24</a:t>
             </a:fld>
             <a:endParaRPr lang="zh-TW" altLang="en-US"/>
           </a:p>
@@ -2480,7 +2480,7 @@
           <a:p>
             <a:fld id="{EDEF64E3-D052-4D55-B4D3-DD0844CE5A07}" type="datetimeFigureOut">
               <a:rPr lang="zh-TW" altLang="en-US" smtClean="0"/>
-              <a:t>2020/6/26</a:t>
+              <a:t>2020/10/24</a:t>
             </a:fld>
             <a:endParaRPr lang="zh-TW" altLang="en-US"/>
           </a:p>
@@ -2693,7 +2693,7 @@
           <a:p>
             <a:fld id="{EDEF64E3-D052-4D55-B4D3-DD0844CE5A07}" type="datetimeFigureOut">
               <a:rPr lang="zh-TW" altLang="en-US" smtClean="0"/>
-              <a:t>2020/6/26</a:t>
+              <a:t>2020/10/24</a:t>
             </a:fld>
             <a:endParaRPr lang="zh-TW" altLang="en-US"/>
           </a:p>
@@ -3129,17 +3129,7 @@
                 <a:latin typeface="微軟正黑體" pitchFamily="34" charset="-120"/>
                 <a:ea typeface="微軟正黑體" pitchFamily="34" charset="-120"/>
               </a:rPr>
-              <a:t>還記得那一天我遇見</a:t>
-            </a:r>
-            <a:r>
-              <a:rPr lang="zh-TW" altLang="en-US" sz="5400" b="1" dirty="0">
-                <a:solidFill>
-                  <a:srgbClr val="000066"/>
-                </a:solidFill>
-                <a:latin typeface="微軟正黑體" pitchFamily="34" charset="-120"/>
-                <a:ea typeface="微軟正黑體" pitchFamily="34" charset="-120"/>
-              </a:rPr>
-              <a:t>你</a:t>
+              <a:t>還記得那一天我遇見你</a:t>
             </a:r>
             <a:endParaRPr lang="en-US" altLang="zh-TW" sz="5400" b="1" dirty="0">
               <a:solidFill>
@@ -3161,27 +3151,7 @@
                 <a:latin typeface="微軟正黑體" pitchFamily="34" charset="-120"/>
                 <a:ea typeface="微軟正黑體" pitchFamily="34" charset="-120"/>
               </a:rPr>
-              <a:t>你</a:t>
-            </a:r>
-            <a:r>
-              <a:rPr lang="zh-TW" altLang="en-US" sz="5400" b="1" dirty="0">
-                <a:solidFill>
-                  <a:srgbClr val="000066"/>
-                </a:solidFill>
-                <a:latin typeface="微軟正黑體" pitchFamily="34" charset="-120"/>
-                <a:ea typeface="微軟正黑體" pitchFamily="34" charset="-120"/>
-              </a:rPr>
-              <a:t>的真誠溫暖了我的</a:t>
-            </a:r>
-            <a:r>
-              <a:rPr lang="zh-TW" altLang="en-US" sz="5400" b="1" dirty="0">
-                <a:solidFill>
-                  <a:srgbClr val="000066"/>
-                </a:solidFill>
-                <a:latin typeface="微軟正黑體" pitchFamily="34" charset="-120"/>
-                <a:ea typeface="微軟正黑體" pitchFamily="34" charset="-120"/>
-              </a:rPr>
-              <a:t>心</a:t>
+              <a:t>你的真誠溫暖了我的心</a:t>
             </a:r>
             <a:endParaRPr lang="en-US" altLang="zh-TW" sz="5400" b="1" dirty="0">
               <a:solidFill>
@@ -3203,17 +3173,17 @@
                 <a:latin typeface="微軟正黑體" pitchFamily="34" charset="-120"/>
                 <a:ea typeface="微軟正黑體" pitchFamily="34" charset="-120"/>
               </a:rPr>
-              <a:t>生命</a:t>
-            </a:r>
-            <a:r>
-              <a:rPr lang="zh-TW" altLang="en-US" sz="5400" b="1" dirty="0">
+              <a:t>生命中有了你 </a:t>
+            </a:r>
+            <a:r>
+              <a:rPr lang="zh-TW" altLang="en-US" sz="5400" b="1" dirty="0" smtClean="0">
                 <a:solidFill>
                   <a:srgbClr val="000066"/>
                 </a:solidFill>
                 <a:latin typeface="微軟正黑體" pitchFamily="34" charset="-120"/>
                 <a:ea typeface="微軟正黑體" pitchFamily="34" charset="-120"/>
               </a:rPr>
-              <a:t>中有了你 不再</a:t>
+              <a:t> 不</a:t>
             </a:r>
             <a:r>
               <a:rPr lang="zh-TW" altLang="en-US" sz="5400" b="1" dirty="0">
@@ -3223,7 +3193,7 @@
                 <a:latin typeface="微軟正黑體" pitchFamily="34" charset="-120"/>
                 <a:ea typeface="微軟正黑體" pitchFamily="34" charset="-120"/>
               </a:rPr>
-              <a:t>孤寂</a:t>
+              <a:t>再孤寂</a:t>
             </a:r>
             <a:endParaRPr lang="en-US" altLang="zh-TW" sz="5400" b="1" dirty="0">
               <a:solidFill>
@@ -3245,17 +3215,7 @@
                 <a:latin typeface="微軟正黑體" pitchFamily="34" charset="-120"/>
                 <a:ea typeface="微軟正黑體" pitchFamily="34" charset="-120"/>
               </a:rPr>
-              <a:t>讓</a:t>
-            </a:r>
-            <a:r>
-              <a:rPr lang="zh-TW" altLang="en-US" sz="5400" b="1" dirty="0">
-                <a:solidFill>
-                  <a:srgbClr val="000066"/>
-                </a:solidFill>
-                <a:latin typeface="微軟正黑體" pitchFamily="34" charset="-120"/>
-                <a:ea typeface="微軟正黑體" pitchFamily="34" charset="-120"/>
-              </a:rPr>
-              <a:t>我說一聲謝謝你</a:t>
+              <a:t>讓我說一聲謝謝你</a:t>
             </a:r>
           </a:p>
         </p:txBody>
@@ -3373,7 +3333,27 @@
                 <a:latin typeface="微軟正黑體" pitchFamily="34" charset="-120"/>
                 <a:ea typeface="微軟正黑體" pitchFamily="34" charset="-120"/>
               </a:rPr>
-              <a:t>一路上有你 不灰心不放棄</a:t>
+              <a:t>一路上有你 </a:t>
+            </a:r>
+            <a:r>
+              <a:rPr lang="zh-TW" altLang="en-US" sz="5400" b="1" dirty="0" smtClean="0">
+                <a:solidFill>
+                  <a:srgbClr val="000066"/>
+                </a:solidFill>
+                <a:latin typeface="微軟正黑體" pitchFamily="34" charset="-120"/>
+                <a:ea typeface="微軟正黑體" pitchFamily="34" charset="-120"/>
+              </a:rPr>
+              <a:t> 不</a:t>
+            </a:r>
+            <a:r>
+              <a:rPr lang="zh-TW" altLang="en-US" sz="5400" b="1" dirty="0">
+                <a:solidFill>
+                  <a:srgbClr val="000066"/>
+                </a:solidFill>
+                <a:latin typeface="微軟正黑體" pitchFamily="34" charset="-120"/>
+                <a:ea typeface="微軟正黑體" pitchFamily="34" charset="-120"/>
+              </a:rPr>
+              <a:t>灰心不放棄</a:t>
             </a:r>
             <a:endParaRPr lang="en-US" altLang="zh-TW" sz="5400" b="1" dirty="0">
               <a:solidFill>
@@ -3395,7 +3375,27 @@
                 <a:latin typeface="微軟正黑體" pitchFamily="34" charset="-120"/>
                 <a:ea typeface="微軟正黑體" pitchFamily="34" charset="-120"/>
               </a:rPr>
-              <a:t>手牽著手 心連心</a:t>
+              <a:t>手牽著手 </a:t>
+            </a:r>
+            <a:r>
+              <a:rPr lang="zh-TW" altLang="en-US" sz="5400" b="1" dirty="0" smtClean="0">
+                <a:solidFill>
+                  <a:srgbClr val="000066"/>
+                </a:solidFill>
+                <a:latin typeface="微軟正黑體" pitchFamily="34" charset="-120"/>
+                <a:ea typeface="微軟正黑體" pitchFamily="34" charset="-120"/>
+              </a:rPr>
+              <a:t> 心</a:t>
+            </a:r>
+            <a:r>
+              <a:rPr lang="zh-TW" altLang="en-US" sz="5400" b="1" dirty="0">
+                <a:solidFill>
+                  <a:srgbClr val="000066"/>
+                </a:solidFill>
+                <a:latin typeface="微軟正黑體" pitchFamily="34" charset="-120"/>
+                <a:ea typeface="微軟正黑體" pitchFamily="34" charset="-120"/>
+              </a:rPr>
+              <a:t>連心</a:t>
             </a:r>
             <a:endParaRPr lang="en-US" altLang="zh-TW" sz="5400" b="1" dirty="0">
               <a:solidFill>
@@ -3441,13 +3441,6 @@
               </a:rPr>
               <a:t>完全成就在你和我的生命</a:t>
             </a:r>
-            <a:endParaRPr lang="zh-TW" altLang="en-US" sz="5400" b="1" dirty="0">
-              <a:solidFill>
-                <a:srgbClr val="000066"/>
-              </a:solidFill>
-              <a:latin typeface="微軟正黑體" pitchFamily="34" charset="-120"/>
-              <a:ea typeface="微軟正黑體" pitchFamily="34" charset="-120"/>
-            </a:endParaRPr>
           </a:p>
         </p:txBody>
       </p:sp>
@@ -3586,7 +3579,27 @@
                 <a:latin typeface="微軟正黑體" pitchFamily="34" charset="-120"/>
                 <a:ea typeface="微軟正黑體" pitchFamily="34" charset="-120"/>
               </a:rPr>
-              <a:t>生命中有了你 不再孤寂</a:t>
+              <a:t>生命中有了你 </a:t>
+            </a:r>
+            <a:r>
+              <a:rPr lang="zh-TW" altLang="en-US" sz="5400" b="1" dirty="0" smtClean="0">
+                <a:solidFill>
+                  <a:srgbClr val="000066"/>
+                </a:solidFill>
+                <a:latin typeface="微軟正黑體" pitchFamily="34" charset="-120"/>
+                <a:ea typeface="微軟正黑體" pitchFamily="34" charset="-120"/>
+              </a:rPr>
+              <a:t> 不</a:t>
+            </a:r>
+            <a:r>
+              <a:rPr lang="zh-TW" altLang="en-US" sz="5400" b="1" dirty="0">
+                <a:solidFill>
+                  <a:srgbClr val="000066"/>
+                </a:solidFill>
+                <a:latin typeface="微軟正黑體" pitchFamily="34" charset="-120"/>
+                <a:ea typeface="微軟正黑體" pitchFamily="34" charset="-120"/>
+              </a:rPr>
+              <a:t>再孤寂</a:t>
             </a:r>
             <a:endParaRPr lang="en-US" altLang="zh-TW" sz="5400" b="1" dirty="0">
               <a:solidFill>
@@ -3610,13 +3623,6 @@
               </a:rPr>
               <a:t>讓我說聲謝謝你</a:t>
             </a:r>
-            <a:endParaRPr lang="zh-TW" altLang="en-US" sz="5400" b="1" dirty="0">
-              <a:solidFill>
-                <a:srgbClr val="000066"/>
-              </a:solidFill>
-              <a:latin typeface="微軟正黑體" pitchFamily="34" charset="-120"/>
-              <a:ea typeface="微軟正黑體" pitchFamily="34" charset="-120"/>
-            </a:endParaRPr>
           </a:p>
         </p:txBody>
       </p:sp>
@@ -3733,7 +3739,27 @@
                 <a:latin typeface="微軟正黑體" pitchFamily="34" charset="-120"/>
                 <a:ea typeface="微軟正黑體" pitchFamily="34" charset="-120"/>
               </a:rPr>
-              <a:t>一路上有你 不灰心不放棄</a:t>
+              <a:t>一路上有你 </a:t>
+            </a:r>
+            <a:r>
+              <a:rPr lang="zh-TW" altLang="en-US" sz="5400" b="1" dirty="0" smtClean="0">
+                <a:solidFill>
+                  <a:srgbClr val="000066"/>
+                </a:solidFill>
+                <a:latin typeface="微軟正黑體" pitchFamily="34" charset="-120"/>
+                <a:ea typeface="微軟正黑體" pitchFamily="34" charset="-120"/>
+              </a:rPr>
+              <a:t> 不</a:t>
+            </a:r>
+            <a:r>
+              <a:rPr lang="zh-TW" altLang="en-US" sz="5400" b="1" dirty="0">
+                <a:solidFill>
+                  <a:srgbClr val="000066"/>
+                </a:solidFill>
+                <a:latin typeface="微軟正黑體" pitchFamily="34" charset="-120"/>
+                <a:ea typeface="微軟正黑體" pitchFamily="34" charset="-120"/>
+              </a:rPr>
+              <a:t>灰心不放棄</a:t>
             </a:r>
             <a:endParaRPr lang="en-US" altLang="zh-TW" sz="5400" b="1" dirty="0">
               <a:solidFill>
@@ -3755,7 +3781,27 @@
                 <a:latin typeface="微軟正黑體" pitchFamily="34" charset="-120"/>
                 <a:ea typeface="微軟正黑體" pitchFamily="34" charset="-120"/>
               </a:rPr>
-              <a:t>手牽著手 心連心</a:t>
+              <a:t>手牽著手 </a:t>
+            </a:r>
+            <a:r>
+              <a:rPr lang="zh-TW" altLang="en-US" sz="5400" b="1" dirty="0" smtClean="0">
+                <a:solidFill>
+                  <a:srgbClr val="000066"/>
+                </a:solidFill>
+                <a:latin typeface="微軟正黑體" pitchFamily="34" charset="-120"/>
+                <a:ea typeface="微軟正黑體" pitchFamily="34" charset="-120"/>
+              </a:rPr>
+              <a:t> 心</a:t>
+            </a:r>
+            <a:r>
+              <a:rPr lang="zh-TW" altLang="en-US" sz="5400" b="1" dirty="0">
+                <a:solidFill>
+                  <a:srgbClr val="000066"/>
+                </a:solidFill>
+                <a:latin typeface="微軟正黑體" pitchFamily="34" charset="-120"/>
+                <a:ea typeface="微軟正黑體" pitchFamily="34" charset="-120"/>
+              </a:rPr>
+              <a:t>連心</a:t>
             </a:r>
             <a:endParaRPr lang="en-US" altLang="zh-TW" sz="5400" b="1" dirty="0">
               <a:solidFill>
@@ -3801,13 +3847,6 @@
               </a:rPr>
               <a:t>完全成就在你和我的生命</a:t>
             </a:r>
-            <a:endParaRPr lang="zh-TW" altLang="en-US" sz="5400" b="1" dirty="0">
-              <a:solidFill>
-                <a:srgbClr val="000066"/>
-              </a:solidFill>
-              <a:latin typeface="微軟正黑體" pitchFamily="34" charset="-120"/>
-              <a:ea typeface="微軟正黑體" pitchFamily="34" charset="-120"/>
-            </a:endParaRPr>
           </a:p>
         </p:txBody>
       </p:sp>
